--- a/Report/figures/FiguresPPTX.pptx
+++ b/Report/figures/FiguresPPTX.pptx
@@ -265,7 +265,7 @@
           <a:p>
             <a:fld id="{3ACCF908-B275-4E10-8A8B-61899055B460}" type="datetimeFigureOut">
               <a:rPr lang="en-GB" smtClean="0"/>
-              <a:t>18/03/2025</a:t>
+              <a:t>19/03/2025</a:t>
             </a:fld>
             <a:endParaRPr lang="en-GB"/>
           </a:p>
@@ -465,7 +465,7 @@
           <a:p>
             <a:fld id="{3ACCF908-B275-4E10-8A8B-61899055B460}" type="datetimeFigureOut">
               <a:rPr lang="en-GB" smtClean="0"/>
-              <a:t>18/03/2025</a:t>
+              <a:t>19/03/2025</a:t>
             </a:fld>
             <a:endParaRPr lang="en-GB"/>
           </a:p>
@@ -675,7 +675,7 @@
           <a:p>
             <a:fld id="{3ACCF908-B275-4E10-8A8B-61899055B460}" type="datetimeFigureOut">
               <a:rPr lang="en-GB" smtClean="0"/>
-              <a:t>18/03/2025</a:t>
+              <a:t>19/03/2025</a:t>
             </a:fld>
             <a:endParaRPr lang="en-GB"/>
           </a:p>
@@ -875,7 +875,7 @@
           <a:p>
             <a:fld id="{3ACCF908-B275-4E10-8A8B-61899055B460}" type="datetimeFigureOut">
               <a:rPr lang="en-GB" smtClean="0"/>
-              <a:t>18/03/2025</a:t>
+              <a:t>19/03/2025</a:t>
             </a:fld>
             <a:endParaRPr lang="en-GB"/>
           </a:p>
@@ -1151,7 +1151,7 @@
           <a:p>
             <a:fld id="{3ACCF908-B275-4E10-8A8B-61899055B460}" type="datetimeFigureOut">
               <a:rPr lang="en-GB" smtClean="0"/>
-              <a:t>18/03/2025</a:t>
+              <a:t>19/03/2025</a:t>
             </a:fld>
             <a:endParaRPr lang="en-GB"/>
           </a:p>
@@ -1419,7 +1419,7 @@
           <a:p>
             <a:fld id="{3ACCF908-B275-4E10-8A8B-61899055B460}" type="datetimeFigureOut">
               <a:rPr lang="en-GB" smtClean="0"/>
-              <a:t>18/03/2025</a:t>
+              <a:t>19/03/2025</a:t>
             </a:fld>
             <a:endParaRPr lang="en-GB"/>
           </a:p>
@@ -1834,7 +1834,7 @@
           <a:p>
             <a:fld id="{3ACCF908-B275-4E10-8A8B-61899055B460}" type="datetimeFigureOut">
               <a:rPr lang="en-GB" smtClean="0"/>
-              <a:t>18/03/2025</a:t>
+              <a:t>19/03/2025</a:t>
             </a:fld>
             <a:endParaRPr lang="en-GB"/>
           </a:p>
@@ -1976,7 +1976,7 @@
           <a:p>
             <a:fld id="{3ACCF908-B275-4E10-8A8B-61899055B460}" type="datetimeFigureOut">
               <a:rPr lang="en-GB" smtClean="0"/>
-              <a:t>18/03/2025</a:t>
+              <a:t>19/03/2025</a:t>
             </a:fld>
             <a:endParaRPr lang="en-GB"/>
           </a:p>
@@ -2089,7 +2089,7 @@
           <a:p>
             <a:fld id="{3ACCF908-B275-4E10-8A8B-61899055B460}" type="datetimeFigureOut">
               <a:rPr lang="en-GB" smtClean="0"/>
-              <a:t>18/03/2025</a:t>
+              <a:t>19/03/2025</a:t>
             </a:fld>
             <a:endParaRPr lang="en-GB"/>
           </a:p>
@@ -2402,7 +2402,7 @@
           <a:p>
             <a:fld id="{3ACCF908-B275-4E10-8A8B-61899055B460}" type="datetimeFigureOut">
               <a:rPr lang="en-GB" smtClean="0"/>
-              <a:t>18/03/2025</a:t>
+              <a:t>19/03/2025</a:t>
             </a:fld>
             <a:endParaRPr lang="en-GB"/>
           </a:p>
@@ -2691,7 +2691,7 @@
           <a:p>
             <a:fld id="{3ACCF908-B275-4E10-8A8B-61899055B460}" type="datetimeFigureOut">
               <a:rPr lang="en-GB" smtClean="0"/>
-              <a:t>18/03/2025</a:t>
+              <a:t>19/03/2025</a:t>
             </a:fld>
             <a:endParaRPr lang="en-GB"/>
           </a:p>
@@ -2934,7 +2934,7 @@
           <a:p>
             <a:fld id="{3ACCF908-B275-4E10-8A8B-61899055B460}" type="datetimeFigureOut">
               <a:rPr lang="en-GB" smtClean="0"/>
-              <a:t>18/03/2025</a:t>
+              <a:t>19/03/2025</a:t>
             </a:fld>
             <a:endParaRPr lang="en-GB"/>
           </a:p>
@@ -4790,7 +4790,7 @@
                 <a:rPr lang="en-GB" sz="1200" b="1" dirty="0">
                   <a:latin typeface="Abadi" panose="020B0604020104020204" pitchFamily="34" charset="0"/>
                 </a:rPr>
-                <a:t>Complete vaccination schema vs. Unvaccination</a:t>
+                <a:t>Primary vaccination schema vs. Unvaccinated</a:t>
               </a:r>
             </a:p>
           </p:txBody>
@@ -4889,7 +4889,7 @@
                 <a:rPr lang="en-GB" sz="1200" b="1" dirty="0">
                   <a:latin typeface="Abadi" panose="020B0604020104020204" pitchFamily="34" charset="0"/>
                 </a:rPr>
-                <a:t>Booster vs. Complete vaccination schema</a:t>
+                <a:t>Booster vs. Primary vaccination schema</a:t>
               </a:r>
             </a:p>
           </p:txBody>
@@ -6579,44 +6579,6 @@
         </p:sp>
         <p:sp>
           <p:nvSpPr>
-            <p:cNvPr id="55" name="TextBox 54">
-              <a:extLst>
-                <a:ext uri="{FF2B5EF4-FFF2-40B4-BE49-F238E27FC236}">
-                  <a16:creationId xmlns:a16="http://schemas.microsoft.com/office/drawing/2014/main" id="{757EA1BF-DDC9-4B29-9392-956E0C4DA3E2}"/>
-                </a:ext>
-              </a:extLst>
-            </p:cNvPr>
-            <p:cNvSpPr txBox="1"/>
-            <p:nvPr/>
-          </p:nvSpPr>
-          <p:spPr>
-            <a:xfrm>
-              <a:off x="1502943" y="3391934"/>
-              <a:ext cx="4019860" cy="276999"/>
-            </a:xfrm>
-            <a:prstGeom prst="rect">
-              <a:avLst/>
-            </a:prstGeom>
-            <a:noFill/>
-          </p:spPr>
-          <p:txBody>
-            <a:bodyPr wrap="square">
-              <a:spAutoFit/>
-            </a:bodyPr>
-            <a:lstStyle/>
-            <a:p>
-              <a:pPr algn="ctr"/>
-              <a:r>
-                <a:rPr lang="en-GB" sz="1200" b="1" dirty="0">
-                  <a:latin typeface="Abadi" panose="020B0604020104020204" pitchFamily="34" charset="0"/>
-                </a:rPr>
-                <a:t>Complete vaccination schema vs. Unvaccination</a:t>
-              </a:r>
-            </a:p>
-          </p:txBody>
-        </p:sp>
-        <p:sp>
-          <p:nvSpPr>
             <p:cNvPr id="56" name="Rectangle 55">
               <a:extLst>
                 <a:ext uri="{FF2B5EF4-FFF2-40B4-BE49-F238E27FC236}">
@@ -6676,44 +6638,6 @@
             </a:p>
           </p:txBody>
         </p:sp>
-        <p:sp>
-          <p:nvSpPr>
-            <p:cNvPr id="57" name="TextBox 56">
-              <a:extLst>
-                <a:ext uri="{FF2B5EF4-FFF2-40B4-BE49-F238E27FC236}">
-                  <a16:creationId xmlns:a16="http://schemas.microsoft.com/office/drawing/2014/main" id="{EEDBD1E9-5B25-440C-BCD9-3B60F7BE7B2D}"/>
-                </a:ext>
-              </a:extLst>
-            </p:cNvPr>
-            <p:cNvSpPr txBox="1"/>
-            <p:nvPr/>
-          </p:nvSpPr>
-          <p:spPr>
-            <a:xfrm>
-              <a:off x="5662099" y="3394602"/>
-              <a:ext cx="4032000" cy="276999"/>
-            </a:xfrm>
-            <a:prstGeom prst="rect">
-              <a:avLst/>
-            </a:prstGeom>
-            <a:noFill/>
-          </p:spPr>
-          <p:txBody>
-            <a:bodyPr wrap="square">
-              <a:spAutoFit/>
-            </a:bodyPr>
-            <a:lstStyle/>
-            <a:p>
-              <a:pPr algn="ctr"/>
-              <a:r>
-                <a:rPr lang="en-GB" sz="1200" b="1" dirty="0">
-                  <a:latin typeface="Abadi" panose="020B0604020104020204" pitchFamily="34" charset="0"/>
-                </a:rPr>
-                <a:t>Booster vs. Complete vaccination schema</a:t>
-              </a:r>
-            </a:p>
-          </p:txBody>
-        </p:sp>
       </p:grpSp>
       <p:sp>
         <p:nvSpPr>
@@ -6957,6 +6881,82 @@
                 <a:latin typeface="Abadi" panose="020B0604020104020204" pitchFamily="34" charset="0"/>
               </a:rPr>
               <a:t>N = 1,892</a:t>
+            </a:r>
+          </a:p>
+        </p:txBody>
+      </p:sp>
+      <p:sp>
+        <p:nvSpPr>
+          <p:cNvPr id="3" name="TextBox 54">
+            <a:extLst>
+              <a:ext uri="{FF2B5EF4-FFF2-40B4-BE49-F238E27FC236}">
+                <a16:creationId xmlns:a16="http://schemas.microsoft.com/office/drawing/2014/main" id="{470DD0A7-D162-702A-F5E5-659542CD8312}"/>
+              </a:ext>
+            </a:extLst>
+          </p:cNvPr>
+          <p:cNvSpPr txBox="1"/>
+          <p:nvPr/>
+        </p:nvSpPr>
+        <p:spPr>
+          <a:xfrm>
+            <a:off x="2000776" y="3396622"/>
+            <a:ext cx="4019860" cy="276999"/>
+          </a:xfrm>
+          <a:prstGeom prst="rect">
+            <a:avLst/>
+          </a:prstGeom>
+          <a:noFill/>
+        </p:spPr>
+        <p:txBody>
+          <a:bodyPr wrap="square">
+            <a:spAutoFit/>
+          </a:bodyPr>
+          <a:lstStyle/>
+          <a:p>
+            <a:pPr algn="ctr"/>
+            <a:r>
+              <a:rPr lang="en-GB" sz="1200" b="1" dirty="0">
+                <a:latin typeface="Abadi" panose="020B0604020104020204" pitchFamily="34" charset="0"/>
+              </a:rPr>
+              <a:t>Primary vaccination schema vs. Unvaccinated</a:t>
+            </a:r>
+          </a:p>
+        </p:txBody>
+      </p:sp>
+      <p:sp>
+        <p:nvSpPr>
+          <p:cNvPr id="4" name="TextBox 56">
+            <a:extLst>
+              <a:ext uri="{FF2B5EF4-FFF2-40B4-BE49-F238E27FC236}">
+                <a16:creationId xmlns:a16="http://schemas.microsoft.com/office/drawing/2014/main" id="{EE6FC339-0729-EE82-01AA-DB66FF042DC4}"/>
+              </a:ext>
+            </a:extLst>
+          </p:cNvPr>
+          <p:cNvSpPr txBox="1"/>
+          <p:nvPr/>
+        </p:nvSpPr>
+        <p:spPr>
+          <a:xfrm>
+            <a:off x="6159932" y="3399290"/>
+            <a:ext cx="4032000" cy="276999"/>
+          </a:xfrm>
+          <a:prstGeom prst="rect">
+            <a:avLst/>
+          </a:prstGeom>
+          <a:noFill/>
+        </p:spPr>
+        <p:txBody>
+          <a:bodyPr wrap="square">
+            <a:spAutoFit/>
+          </a:bodyPr>
+          <a:lstStyle/>
+          <a:p>
+            <a:pPr algn="ctr"/>
+            <a:r>
+              <a:rPr lang="en-GB" sz="1200" b="1" dirty="0">
+                <a:latin typeface="Abadi" panose="020B0604020104020204" pitchFamily="34" charset="0"/>
+              </a:rPr>
+              <a:t>Booster vs. Primary vaccination schema</a:t>
             </a:r>
           </a:p>
         </p:txBody>
@@ -8399,44 +8399,6 @@
         </p:sp>
         <p:sp>
           <p:nvSpPr>
-            <p:cNvPr id="55" name="TextBox 54">
-              <a:extLst>
-                <a:ext uri="{FF2B5EF4-FFF2-40B4-BE49-F238E27FC236}">
-                  <a16:creationId xmlns:a16="http://schemas.microsoft.com/office/drawing/2014/main" id="{757EA1BF-DDC9-4B29-9392-956E0C4DA3E2}"/>
-                </a:ext>
-              </a:extLst>
-            </p:cNvPr>
-            <p:cNvSpPr txBox="1"/>
-            <p:nvPr/>
-          </p:nvSpPr>
-          <p:spPr>
-            <a:xfrm>
-              <a:off x="1502943" y="3391934"/>
-              <a:ext cx="4019860" cy="276999"/>
-            </a:xfrm>
-            <a:prstGeom prst="rect">
-              <a:avLst/>
-            </a:prstGeom>
-            <a:noFill/>
-          </p:spPr>
-          <p:txBody>
-            <a:bodyPr wrap="square">
-              <a:spAutoFit/>
-            </a:bodyPr>
-            <a:lstStyle/>
-            <a:p>
-              <a:pPr algn="ctr"/>
-              <a:r>
-                <a:rPr lang="en-GB" sz="1200" b="1" dirty="0">
-                  <a:latin typeface="Abadi" panose="020B0604020104020204" pitchFamily="34" charset="0"/>
-                </a:rPr>
-                <a:t>Complete vaccination schema vs. Unvaccination</a:t>
-              </a:r>
-            </a:p>
-          </p:txBody>
-        </p:sp>
-        <p:sp>
-          <p:nvSpPr>
             <p:cNvPr id="56" name="Rectangle 55">
               <a:extLst>
                 <a:ext uri="{FF2B5EF4-FFF2-40B4-BE49-F238E27FC236}">
@@ -8496,44 +8458,6 @@
             </a:p>
           </p:txBody>
         </p:sp>
-        <p:sp>
-          <p:nvSpPr>
-            <p:cNvPr id="57" name="TextBox 56">
-              <a:extLst>
-                <a:ext uri="{FF2B5EF4-FFF2-40B4-BE49-F238E27FC236}">
-                  <a16:creationId xmlns:a16="http://schemas.microsoft.com/office/drawing/2014/main" id="{EEDBD1E9-5B25-440C-BCD9-3B60F7BE7B2D}"/>
-                </a:ext>
-              </a:extLst>
-            </p:cNvPr>
-            <p:cNvSpPr txBox="1"/>
-            <p:nvPr/>
-          </p:nvSpPr>
-          <p:spPr>
-            <a:xfrm>
-              <a:off x="5662099" y="3394602"/>
-              <a:ext cx="4032000" cy="276999"/>
-            </a:xfrm>
-            <a:prstGeom prst="rect">
-              <a:avLst/>
-            </a:prstGeom>
-            <a:noFill/>
-          </p:spPr>
-          <p:txBody>
-            <a:bodyPr wrap="square">
-              <a:spAutoFit/>
-            </a:bodyPr>
-            <a:lstStyle/>
-            <a:p>
-              <a:pPr algn="ctr"/>
-              <a:r>
-                <a:rPr lang="en-GB" sz="1200" b="1" dirty="0">
-                  <a:latin typeface="Abadi" panose="020B0604020104020204" pitchFamily="34" charset="0"/>
-                </a:rPr>
-                <a:t>Booster vs. Complete vaccination schema</a:t>
-              </a:r>
-            </a:p>
-          </p:txBody>
-        </p:sp>
       </p:grpSp>
       <p:sp>
         <p:nvSpPr>
@@ -8777,6 +8701,82 @@
                 <a:latin typeface="Abadi" panose="020B0604020104020204" pitchFamily="34" charset="0"/>
               </a:rPr>
               <a:t>N = 2,218</a:t>
+            </a:r>
+          </a:p>
+        </p:txBody>
+      </p:sp>
+      <p:sp>
+        <p:nvSpPr>
+          <p:cNvPr id="3" name="TextBox 54">
+            <a:extLst>
+              <a:ext uri="{FF2B5EF4-FFF2-40B4-BE49-F238E27FC236}">
+                <a16:creationId xmlns:a16="http://schemas.microsoft.com/office/drawing/2014/main" id="{03FF6EB2-C387-4009-1596-35A06DB7BEE4}"/>
+              </a:ext>
+            </a:extLst>
+          </p:cNvPr>
+          <p:cNvSpPr txBox="1"/>
+          <p:nvPr/>
+        </p:nvSpPr>
+        <p:spPr>
+          <a:xfrm>
+            <a:off x="2000776" y="3396622"/>
+            <a:ext cx="4019860" cy="276999"/>
+          </a:xfrm>
+          <a:prstGeom prst="rect">
+            <a:avLst/>
+          </a:prstGeom>
+          <a:noFill/>
+        </p:spPr>
+        <p:txBody>
+          <a:bodyPr wrap="square">
+            <a:spAutoFit/>
+          </a:bodyPr>
+          <a:lstStyle/>
+          <a:p>
+            <a:pPr algn="ctr"/>
+            <a:r>
+              <a:rPr lang="en-GB" sz="1200" b="1" dirty="0">
+                <a:latin typeface="Abadi" panose="020B0604020104020204" pitchFamily="34" charset="0"/>
+              </a:rPr>
+              <a:t>Primary vaccination schema vs. Unvaccinated</a:t>
+            </a:r>
+          </a:p>
+        </p:txBody>
+      </p:sp>
+      <p:sp>
+        <p:nvSpPr>
+          <p:cNvPr id="4" name="TextBox 56">
+            <a:extLst>
+              <a:ext uri="{FF2B5EF4-FFF2-40B4-BE49-F238E27FC236}">
+                <a16:creationId xmlns:a16="http://schemas.microsoft.com/office/drawing/2014/main" id="{66ECD1DE-D75B-6978-6698-C69717DBEEBA}"/>
+              </a:ext>
+            </a:extLst>
+          </p:cNvPr>
+          <p:cNvSpPr txBox="1"/>
+          <p:nvPr/>
+        </p:nvSpPr>
+        <p:spPr>
+          <a:xfrm>
+            <a:off x="6159932" y="3399290"/>
+            <a:ext cx="4032000" cy="276999"/>
+          </a:xfrm>
+          <a:prstGeom prst="rect">
+            <a:avLst/>
+          </a:prstGeom>
+          <a:noFill/>
+        </p:spPr>
+        <p:txBody>
+          <a:bodyPr wrap="square">
+            <a:spAutoFit/>
+          </a:bodyPr>
+          <a:lstStyle/>
+          <a:p>
+            <a:pPr algn="ctr"/>
+            <a:r>
+              <a:rPr lang="en-GB" sz="1200" b="1" dirty="0">
+                <a:latin typeface="Abadi" panose="020B0604020104020204" pitchFamily="34" charset="0"/>
+              </a:rPr>
+              <a:t>Booster vs. Primary vaccination schema</a:t>
             </a:r>
           </a:p>
         </p:txBody>
@@ -9028,7 +9028,7 @@
               <a:t>Pregnancies in observation in </a:t>
             </a:r>
             <a:r>
-              <a:rPr lang="en-GB" sz="1100" b="1" dirty="0" err="1">
+              <a:rPr lang="en-GB" sz="1100" b="1" dirty="0">
                 <a:solidFill>
                   <a:schemeClr val="tx1"/>
                 </a:solidFill>
@@ -9036,12 +9036,6 @@
               </a:rPr>
               <a:t>UiO</a:t>
             </a:r>
-            <a:endParaRPr lang="en-GB" sz="1100" b="1" dirty="0">
-              <a:solidFill>
-                <a:schemeClr val="tx1"/>
-              </a:solidFill>
-              <a:latin typeface="Abadi" panose="020B0604020104020204" pitchFamily="34" charset="0"/>
-            </a:endParaRPr>
           </a:p>
           <a:p>
             <a:pPr algn="ctr"/>
@@ -10216,44 +10210,6 @@
         </p:sp>
         <p:sp>
           <p:nvSpPr>
-            <p:cNvPr id="55" name="TextBox 54">
-              <a:extLst>
-                <a:ext uri="{FF2B5EF4-FFF2-40B4-BE49-F238E27FC236}">
-                  <a16:creationId xmlns:a16="http://schemas.microsoft.com/office/drawing/2014/main" id="{757EA1BF-DDC9-4B29-9392-956E0C4DA3E2}"/>
-                </a:ext>
-              </a:extLst>
-            </p:cNvPr>
-            <p:cNvSpPr txBox="1"/>
-            <p:nvPr/>
-          </p:nvSpPr>
-          <p:spPr>
-            <a:xfrm>
-              <a:off x="1502943" y="3391934"/>
-              <a:ext cx="4019860" cy="276999"/>
-            </a:xfrm>
-            <a:prstGeom prst="rect">
-              <a:avLst/>
-            </a:prstGeom>
-            <a:noFill/>
-          </p:spPr>
-          <p:txBody>
-            <a:bodyPr wrap="square">
-              <a:spAutoFit/>
-            </a:bodyPr>
-            <a:lstStyle/>
-            <a:p>
-              <a:pPr algn="ctr"/>
-              <a:r>
-                <a:rPr lang="en-GB" sz="1200" b="1" dirty="0">
-                  <a:latin typeface="Abadi" panose="020B0604020104020204" pitchFamily="34" charset="0"/>
-                </a:rPr>
-                <a:t>Complete vaccination schema vs. Unvaccination</a:t>
-              </a:r>
-            </a:p>
-          </p:txBody>
-        </p:sp>
-        <p:sp>
-          <p:nvSpPr>
             <p:cNvPr id="56" name="Rectangle 55">
               <a:extLst>
                 <a:ext uri="{FF2B5EF4-FFF2-40B4-BE49-F238E27FC236}">
@@ -10313,44 +10269,6 @@
             </a:p>
           </p:txBody>
         </p:sp>
-        <p:sp>
-          <p:nvSpPr>
-            <p:cNvPr id="57" name="TextBox 56">
-              <a:extLst>
-                <a:ext uri="{FF2B5EF4-FFF2-40B4-BE49-F238E27FC236}">
-                  <a16:creationId xmlns:a16="http://schemas.microsoft.com/office/drawing/2014/main" id="{EEDBD1E9-5B25-440C-BCD9-3B60F7BE7B2D}"/>
-                </a:ext>
-              </a:extLst>
-            </p:cNvPr>
-            <p:cNvSpPr txBox="1"/>
-            <p:nvPr/>
-          </p:nvSpPr>
-          <p:spPr>
-            <a:xfrm>
-              <a:off x="5662099" y="3394602"/>
-              <a:ext cx="4032000" cy="276999"/>
-            </a:xfrm>
-            <a:prstGeom prst="rect">
-              <a:avLst/>
-            </a:prstGeom>
-            <a:noFill/>
-          </p:spPr>
-          <p:txBody>
-            <a:bodyPr wrap="square">
-              <a:spAutoFit/>
-            </a:bodyPr>
-            <a:lstStyle/>
-            <a:p>
-              <a:pPr algn="ctr"/>
-              <a:r>
-                <a:rPr lang="en-GB" sz="1200" b="1" dirty="0">
-                  <a:latin typeface="Abadi" panose="020B0604020104020204" pitchFamily="34" charset="0"/>
-                </a:rPr>
-                <a:t>Booster vs. Complete vaccination schema</a:t>
-              </a:r>
-            </a:p>
-          </p:txBody>
-        </p:sp>
       </p:grpSp>
       <p:sp>
         <p:nvSpPr>
@@ -10594,6 +10512,82 @@
                 <a:latin typeface="Abadi" panose="020B0604020104020204" pitchFamily="34" charset="0"/>
               </a:rPr>
               <a:t>N = 10,791</a:t>
+            </a:r>
+          </a:p>
+        </p:txBody>
+      </p:sp>
+      <p:sp>
+        <p:nvSpPr>
+          <p:cNvPr id="3" name="TextBox 54">
+            <a:extLst>
+              <a:ext uri="{FF2B5EF4-FFF2-40B4-BE49-F238E27FC236}">
+                <a16:creationId xmlns:a16="http://schemas.microsoft.com/office/drawing/2014/main" id="{1134FB6B-E0A7-2E96-8F8B-3929C477A3CF}"/>
+              </a:ext>
+            </a:extLst>
+          </p:cNvPr>
+          <p:cNvSpPr txBox="1"/>
+          <p:nvPr/>
+        </p:nvSpPr>
+        <p:spPr>
+          <a:xfrm>
+            <a:off x="2000776" y="3396622"/>
+            <a:ext cx="4019860" cy="276999"/>
+          </a:xfrm>
+          <a:prstGeom prst="rect">
+            <a:avLst/>
+          </a:prstGeom>
+          <a:noFill/>
+        </p:spPr>
+        <p:txBody>
+          <a:bodyPr wrap="square">
+            <a:spAutoFit/>
+          </a:bodyPr>
+          <a:lstStyle/>
+          <a:p>
+            <a:pPr algn="ctr"/>
+            <a:r>
+              <a:rPr lang="en-GB" sz="1200" b="1" dirty="0">
+                <a:latin typeface="Abadi" panose="020B0604020104020204" pitchFamily="34" charset="0"/>
+              </a:rPr>
+              <a:t>Primary vaccination schema vs. Unvaccinated</a:t>
+            </a:r>
+          </a:p>
+        </p:txBody>
+      </p:sp>
+      <p:sp>
+        <p:nvSpPr>
+          <p:cNvPr id="4" name="TextBox 56">
+            <a:extLst>
+              <a:ext uri="{FF2B5EF4-FFF2-40B4-BE49-F238E27FC236}">
+                <a16:creationId xmlns:a16="http://schemas.microsoft.com/office/drawing/2014/main" id="{97A64B61-2B13-C925-00C6-1F42CD3EA4B7}"/>
+              </a:ext>
+            </a:extLst>
+          </p:cNvPr>
+          <p:cNvSpPr txBox="1"/>
+          <p:nvPr/>
+        </p:nvSpPr>
+        <p:spPr>
+          <a:xfrm>
+            <a:off x="6159932" y="3399290"/>
+            <a:ext cx="4032000" cy="276999"/>
+          </a:xfrm>
+          <a:prstGeom prst="rect">
+            <a:avLst/>
+          </a:prstGeom>
+          <a:noFill/>
+        </p:spPr>
+        <p:txBody>
+          <a:bodyPr wrap="square">
+            <a:spAutoFit/>
+          </a:bodyPr>
+          <a:lstStyle/>
+          <a:p>
+            <a:pPr algn="ctr"/>
+            <a:r>
+              <a:rPr lang="en-GB" sz="1200" b="1" dirty="0">
+                <a:latin typeface="Abadi" panose="020B0604020104020204" pitchFamily="34" charset="0"/>
+              </a:rPr>
+              <a:t>Booster vs. Primary vaccination schema</a:t>
             </a:r>
           </a:p>
         </p:txBody>
@@ -10628,282 +10622,287 @@
           <a:chExt cx="0" cy="0"/>
         </a:xfrm>
       </p:grpSpPr>
-      <p:sp>
-        <p:nvSpPr>
-          <p:cNvPr id="94" name="Rectangle 93">
-            <a:extLst>
-              <a:ext uri="{FF2B5EF4-FFF2-40B4-BE49-F238E27FC236}">
-                <a16:creationId xmlns:a16="http://schemas.microsoft.com/office/drawing/2014/main" id="{F1B69C64-D0F2-46DD-A8AC-CE98FF896536}"/>
-              </a:ext>
-            </a:extLst>
-          </p:cNvPr>
-          <p:cNvSpPr/>
+      <p:grpSp>
+        <p:nvGrpSpPr>
+          <p:cNvPr id="5" name="Agrupa 4">
+            <a:extLst>
+              <a:ext uri="{FF2B5EF4-FFF2-40B4-BE49-F238E27FC236}">
+                <a16:creationId xmlns:a16="http://schemas.microsoft.com/office/drawing/2014/main" id="{3C8F3492-954B-A8E5-4C22-03AF9DD500E9}"/>
+              </a:ext>
+            </a:extLst>
+          </p:cNvPr>
+          <p:cNvGrpSpPr/>
           <p:nvPr/>
-        </p:nvSpPr>
-        <p:spPr>
+        </p:nvGrpSpPr>
+        <p:grpSpPr>
           <a:xfrm>
-            <a:off x="1561605" y="4890451"/>
-            <a:ext cx="8514608" cy="1592068"/>
+            <a:off x="1968995" y="5213686"/>
+            <a:ext cx="8514608" cy="1239570"/>
+            <a:chOff x="1917205" y="5152191"/>
+            <a:chExt cx="8514608" cy="1239570"/>
           </a:xfrm>
-          <a:prstGeom prst="rect">
-            <a:avLst/>
-          </a:prstGeom>
-          <a:solidFill>
-            <a:schemeClr val="bg1">
-              <a:lumMod val="95000"/>
-            </a:schemeClr>
-          </a:solidFill>
-          <a:ln>
+        </p:grpSpPr>
+        <p:sp>
+          <p:nvSpPr>
+            <p:cNvPr id="94" name="Rectangle 93">
+              <a:extLst>
+                <a:ext uri="{FF2B5EF4-FFF2-40B4-BE49-F238E27FC236}">
+                  <a16:creationId xmlns:a16="http://schemas.microsoft.com/office/drawing/2014/main" id="{F1B69C64-D0F2-46DD-A8AC-CE98FF896536}"/>
+                </a:ext>
+              </a:extLst>
+            </p:cNvPr>
+            <p:cNvSpPr/>
+            <p:nvPr/>
+          </p:nvSpPr>
+          <p:spPr>
+            <a:xfrm>
+              <a:off x="1917205" y="5176201"/>
+              <a:ext cx="8514608" cy="1215559"/>
+            </a:xfrm>
+            <a:prstGeom prst="rect">
+              <a:avLst/>
+            </a:prstGeom>
             <a:solidFill>
               <a:schemeClr val="bg1">
                 <a:lumMod val="95000"/>
               </a:schemeClr>
             </a:solidFill>
-          </a:ln>
-        </p:spPr>
-        <p:style>
-          <a:lnRef idx="2">
-            <a:schemeClr val="accent1">
-              <a:shade val="50000"/>
-            </a:schemeClr>
-          </a:lnRef>
-          <a:fillRef idx="1">
-            <a:schemeClr val="accent1"/>
-          </a:fillRef>
-          <a:effectRef idx="0">
-            <a:schemeClr val="accent1"/>
-          </a:effectRef>
-          <a:fontRef idx="minor">
-            <a:schemeClr val="lt1"/>
-          </a:fontRef>
-        </p:style>
-        <p:txBody>
-          <a:bodyPr rtlCol="0" anchor="ctr"/>
-          <a:lstStyle/>
-          <a:p>
-            <a:pPr algn="ctr"/>
-            <a:endParaRPr lang="en-GB"/>
-          </a:p>
-        </p:txBody>
-      </p:sp>
-      <p:sp>
-        <p:nvSpPr>
-          <p:cNvPr id="84" name="TextBox 83">
-            <a:extLst>
-              <a:ext uri="{FF2B5EF4-FFF2-40B4-BE49-F238E27FC236}">
-                <a16:creationId xmlns:a16="http://schemas.microsoft.com/office/drawing/2014/main" id="{453EC9E2-7130-4619-B1F2-BC12FFEE6A8D}"/>
-              </a:ext>
-            </a:extLst>
-          </p:cNvPr>
-          <p:cNvSpPr txBox="1"/>
-          <p:nvPr/>
-        </p:nvSpPr>
-        <p:spPr>
-          <a:xfrm>
-            <a:off x="1561605" y="4866440"/>
-            <a:ext cx="8514608" cy="1671996"/>
-          </a:xfrm>
-          <a:prstGeom prst="rect">
-            <a:avLst/>
-          </a:prstGeom>
-          <a:noFill/>
-        </p:spPr>
-        <p:txBody>
-          <a:bodyPr wrap="square" rtlCol="0">
-            <a:spAutoFit/>
-          </a:bodyPr>
-          <a:lstStyle/>
-          <a:p>
-            <a:r>
-              <a:rPr lang="en-GB" sz="1000" baseline="30000" dirty="0">
-                <a:latin typeface="Arial" panose="020B0604020202020204" pitchFamily="34" charset="0"/>
-                <a:cs typeface="Arial" panose="020B0604020202020204" pitchFamily="34" charset="0"/>
-              </a:rPr>
-              <a:t>1 </a:t>
-            </a:r>
-            <a:r>
-              <a:rPr lang="en-GB" sz="1000" dirty="0">
+            <a:ln>
+              <a:solidFill>
+                <a:schemeClr val="bg1">
+                  <a:lumMod val="95000"/>
+                </a:schemeClr>
+              </a:solidFill>
+            </a:ln>
+          </p:spPr>
+          <p:style>
+            <a:lnRef idx="2">
+              <a:schemeClr val="accent1">
+                <a:shade val="50000"/>
+              </a:schemeClr>
+            </a:lnRef>
+            <a:fillRef idx="1">
+              <a:schemeClr val="accent1"/>
+            </a:fillRef>
+            <a:effectRef idx="0">
+              <a:schemeClr val="accent1"/>
+            </a:effectRef>
+            <a:fontRef idx="minor">
+              <a:schemeClr val="lt1"/>
+            </a:fontRef>
+          </p:style>
+          <p:txBody>
+            <a:bodyPr rtlCol="0" anchor="ctr"/>
+            <a:lstStyle/>
+            <a:p>
+              <a:pPr algn="ctr"/>
+              <a:endParaRPr lang="en-GB"/>
+            </a:p>
+          </p:txBody>
+        </p:sp>
+        <p:sp>
+          <p:nvSpPr>
+            <p:cNvPr id="84" name="TextBox 83">
+              <a:extLst>
+                <a:ext uri="{FF2B5EF4-FFF2-40B4-BE49-F238E27FC236}">
+                  <a16:creationId xmlns:a16="http://schemas.microsoft.com/office/drawing/2014/main" id="{453EC9E2-7130-4619-B1F2-BC12FFEE6A8D}"/>
+                </a:ext>
+              </a:extLst>
+            </p:cNvPr>
+            <p:cNvSpPr txBox="1"/>
+            <p:nvPr/>
+          </p:nvSpPr>
+          <p:spPr>
+            <a:xfrm>
+              <a:off x="1917205" y="5152191"/>
+              <a:ext cx="8514608" cy="1239570"/>
+            </a:xfrm>
+            <a:prstGeom prst="rect">
+              <a:avLst/>
+            </a:prstGeom>
+            <a:noFill/>
+          </p:spPr>
+          <p:txBody>
+            <a:bodyPr wrap="square" rtlCol="0">
+              <a:spAutoFit/>
+            </a:bodyPr>
+            <a:lstStyle/>
+            <a:p>
+              <a:r>
+                <a:rPr lang="en-GB" sz="900" baseline="30000" dirty="0">
+                  <a:latin typeface="Arial" panose="020B0604020202020204" pitchFamily="34" charset="0"/>
+                  <a:cs typeface="Arial" panose="020B0604020202020204" pitchFamily="34" charset="0"/>
+                </a:rPr>
+                <a:t>1 </a:t>
+              </a:r>
+              <a:r>
+                <a:rPr lang="en-GB" sz="900" dirty="0">
+                  <a:latin typeface="Calibri" panose="020F0502020204030204" pitchFamily="34" charset="0"/>
+                  <a:ea typeface="Calibri" panose="020F0502020204030204" pitchFamily="34" charset="0"/>
+                  <a:cs typeface="Times New Roman" panose="02020603050405020304" pitchFamily="18" charset="0"/>
+                </a:rPr>
+                <a:t>Enrolment period: Start of the vaccination campaign (December 2020) to 90 days before end of available data</a:t>
+              </a:r>
+              <a:endParaRPr lang="en-GB" sz="100" dirty="0">
                 <a:latin typeface="Calibri" panose="020F0502020204030204" pitchFamily="34" charset="0"/>
                 <a:ea typeface="Calibri" panose="020F0502020204030204" pitchFamily="34" charset="0"/>
                 <a:cs typeface="Times New Roman" panose="02020603050405020304" pitchFamily="18" charset="0"/>
-              </a:rPr>
-              <a:t>Enrolment period: Start of the vaccination campaign (December 2020) to 90 days before end of available data</a:t>
-            </a:r>
-            <a:endParaRPr lang="en-GB" sz="100" dirty="0">
-              <a:latin typeface="Calibri" panose="020F0502020204030204" pitchFamily="34" charset="0"/>
-              <a:ea typeface="Calibri" panose="020F0502020204030204" pitchFamily="34" charset="0"/>
-              <a:cs typeface="Times New Roman" panose="02020603050405020304" pitchFamily="18" charset="0"/>
-            </a:endParaRPr>
-          </a:p>
-          <a:p>
-            <a:r>
-              <a:rPr lang="en-GB" sz="100" dirty="0">
+              </a:endParaRPr>
+            </a:p>
+            <a:p>
+              <a:r>
+                <a:rPr lang="en-GB" sz="100" dirty="0">
+                  <a:latin typeface="Calibri" panose="020F0502020204030204" pitchFamily="34" charset="0"/>
+                  <a:ea typeface="Calibri" panose="020F0502020204030204" pitchFamily="34" charset="0"/>
+                  <a:cs typeface="Times New Roman" panose="02020603050405020304" pitchFamily="18" charset="0"/>
+                </a:rPr>
+                <a:t> </a:t>
+              </a:r>
+            </a:p>
+            <a:p>
+              <a:r>
+                <a:rPr lang="en-GB" sz="900" baseline="30000" dirty="0">
+                  <a:latin typeface="Arial" panose="020B0604020202020204" pitchFamily="34" charset="0"/>
+                  <a:cs typeface="Arial" panose="020B0604020202020204" pitchFamily="34" charset="0"/>
+                </a:rPr>
+                <a:t>2 </a:t>
+              </a:r>
+              <a:r>
+                <a:rPr lang="en-GB" sz="900" dirty="0">
+                  <a:latin typeface="Calibri" panose="020F0502020204030204" pitchFamily="34" charset="0"/>
+                  <a:ea typeface="Calibri" panose="020F0502020204030204" pitchFamily="34" charset="0"/>
+                  <a:cs typeface="Times New Roman" panose="02020603050405020304" pitchFamily="18" charset="0"/>
+                </a:rPr>
+                <a:t>Unvaccinated (Primary vaccination schema vs. Unvaccinated) before Index Date, and 90 days or more since 2nd dose at Index Date (Booster vs. Primary vaccination schema)</a:t>
+              </a:r>
+            </a:p>
+            <a:p>
+              <a:endParaRPr lang="en-GB" sz="100" dirty="0">
                 <a:latin typeface="Calibri" panose="020F0502020204030204" pitchFamily="34" charset="0"/>
                 <a:ea typeface="Calibri" panose="020F0502020204030204" pitchFamily="34" charset="0"/>
                 <a:cs typeface="Times New Roman" panose="02020603050405020304" pitchFamily="18" charset="0"/>
-              </a:rPr>
-              <a:t> </a:t>
-            </a:r>
-          </a:p>
-          <a:p>
-            <a:r>
-              <a:rPr lang="en-GB" sz="1000" baseline="30000" dirty="0">
-                <a:latin typeface="Arial" panose="020B0604020202020204" pitchFamily="34" charset="0"/>
-                <a:cs typeface="Arial" panose="020B0604020202020204" pitchFamily="34" charset="0"/>
-              </a:rPr>
-              <a:t>2 </a:t>
-            </a:r>
-            <a:r>
-              <a:rPr lang="en-GB" sz="1000" dirty="0">
+              </a:endParaRPr>
+            </a:p>
+            <a:p>
+              <a:pPr lvl="0" algn="just">
+                <a:lnSpc>
+                  <a:spcPct val="115000"/>
+                </a:lnSpc>
+              </a:pPr>
+              <a:r>
+                <a:rPr lang="en-GB" sz="900" baseline="30000" dirty="0">
+                  <a:latin typeface="Arial" panose="020B0604020202020204" pitchFamily="34" charset="0"/>
+                  <a:cs typeface="Arial" panose="020B0604020202020204" pitchFamily="34" charset="0"/>
+                </a:rPr>
+                <a:t>3 </a:t>
+              </a:r>
+              <a:r>
+                <a:rPr lang="en-GB" sz="900" dirty="0">
+                  <a:latin typeface="Calibri" panose="020F0502020204030204" pitchFamily="34" charset="0"/>
+                  <a:ea typeface="Calibri" panose="020F0502020204030204" pitchFamily="34" charset="0"/>
+                  <a:cs typeface="Times New Roman" panose="02020603050405020304" pitchFamily="18" charset="0"/>
+                </a:rPr>
+                <a:t>Influenza and Tdap (Tetanus, Diphtheria, and Pertussis ) vaccination where not assessed for SCIFI-PEARL database as this information was not available</a:t>
+              </a:r>
+            </a:p>
+            <a:p>
+              <a:endParaRPr lang="en-GB" sz="100" dirty="0">
                 <a:latin typeface="Calibri" panose="020F0502020204030204" pitchFamily="34" charset="0"/>
                 <a:ea typeface="Calibri" panose="020F0502020204030204" pitchFamily="34" charset="0"/>
                 <a:cs typeface="Times New Roman" panose="02020603050405020304" pitchFamily="18" charset="0"/>
-              </a:rPr>
-              <a:t>Unvaccinated (Complete vaccination schema vs. </a:t>
-            </a:r>
-            <a:r>
-              <a:rPr lang="en-GB" sz="1000" dirty="0" err="1">
+              </a:endParaRPr>
+            </a:p>
+            <a:p>
+              <a:pPr algn="just">
+                <a:lnSpc>
+                  <a:spcPct val="115000"/>
+                </a:lnSpc>
+              </a:pPr>
+              <a:r>
+                <a:rPr lang="en-GB" sz="900" baseline="30000" dirty="0">
+                  <a:latin typeface="Arial" panose="020B0604020202020204" pitchFamily="34" charset="0"/>
+                  <a:cs typeface="Arial" panose="020B0604020202020204" pitchFamily="34" charset="0"/>
+                </a:rPr>
+                <a:t>4 </a:t>
+              </a:r>
+              <a:r>
+                <a:rPr lang="en-GB" sz="900" dirty="0">
+                  <a:latin typeface="Calibri" panose="020F0502020204030204" pitchFamily="34" charset="0"/>
+                  <a:ea typeface="Calibri" panose="020F0502020204030204" pitchFamily="34" charset="0"/>
+                  <a:cs typeface="Times New Roman" panose="02020603050405020304" pitchFamily="18" charset="0"/>
+                </a:rPr>
+                <a:t>Exact matching on days since previous vaccination in 30-days band – Only for Booster vs. Primary vaccination schema</a:t>
+              </a:r>
+              <a:endParaRPr lang="en-GB" sz="100" dirty="0">
+                <a:latin typeface="Arial" panose="020B0604020202020204" pitchFamily="34" charset="0"/>
+                <a:cs typeface="Arial" panose="020B0604020202020204" pitchFamily="34" charset="0"/>
+              </a:endParaRPr>
+            </a:p>
+            <a:p>
+              <a:endParaRPr lang="en-GB" sz="100" dirty="0">
                 <a:latin typeface="Calibri" panose="020F0502020204030204" pitchFamily="34" charset="0"/>
                 <a:ea typeface="Calibri" panose="020F0502020204030204" pitchFamily="34" charset="0"/>
                 <a:cs typeface="Times New Roman" panose="02020603050405020304" pitchFamily="18" charset="0"/>
-              </a:rPr>
-              <a:t>Unvaccination</a:t>
-            </a:r>
-            <a:r>
-              <a:rPr lang="en-GB" sz="1000" dirty="0">
+              </a:endParaRPr>
+            </a:p>
+            <a:p>
+              <a:pPr lvl="0" algn="just">
+                <a:lnSpc>
+                  <a:spcPct val="115000"/>
+                </a:lnSpc>
+              </a:pPr>
+              <a:r>
+                <a:rPr lang="en-GB" sz="900" baseline="30000" dirty="0">
+                  <a:latin typeface="Arial" panose="020B0604020202020204" pitchFamily="34" charset="0"/>
+                  <a:cs typeface="Arial" panose="020B0604020202020204" pitchFamily="34" charset="0"/>
+                </a:rPr>
+                <a:t>5 </a:t>
+              </a:r>
+              <a:r>
+                <a:rPr lang="en-GB" sz="900" dirty="0">
+                  <a:latin typeface="Calibri" panose="020F0502020204030204" pitchFamily="34" charset="0"/>
+                  <a:ea typeface="Calibri" panose="020F0502020204030204" pitchFamily="34" charset="0"/>
+                  <a:cs typeface="Times New Roman" panose="02020603050405020304" pitchFamily="18" charset="0"/>
+                </a:rPr>
+                <a:t>Conditions: Respiratory Conditions (asthma, chronic obstructive pulmonary disease, bronchiectasis, or bronchitis), Blood Cancer within the last 5 years, Cardiological Disease (excluding hypertension), Diabetes (any type), Immunodeficiency, Chronic Liver Disease, Obesity, Organ Transplant Recipient, and Solid Cancer within the past 5 years</a:t>
+              </a:r>
+              <a:endParaRPr lang="en-GB" sz="100" dirty="0">
+                <a:latin typeface="Arial" panose="020B0604020202020204" pitchFamily="34" charset="0"/>
+                <a:cs typeface="Arial" panose="020B0604020202020204" pitchFamily="34" charset="0"/>
+              </a:endParaRPr>
+            </a:p>
+            <a:p>
+              <a:pPr lvl="0" algn="just">
+                <a:lnSpc>
+                  <a:spcPct val="115000"/>
+                </a:lnSpc>
+              </a:pPr>
+              <a:endParaRPr lang="en-GB" sz="100" dirty="0">
                 <a:latin typeface="Calibri" panose="020F0502020204030204" pitchFamily="34" charset="0"/>
                 <a:ea typeface="Calibri" panose="020F0502020204030204" pitchFamily="34" charset="0"/>
                 <a:cs typeface="Times New Roman" panose="02020603050405020304" pitchFamily="18" charset="0"/>
-              </a:rPr>
-              <a:t>) before Index Date, and 90 days or more since 2nd dose at Index Date (Booster vs. Complete vaccination schema)</a:t>
-            </a:r>
-          </a:p>
-          <a:p>
-            <a:endParaRPr lang="en-GB" sz="100" dirty="0">
-              <a:latin typeface="Calibri" panose="020F0502020204030204" pitchFamily="34" charset="0"/>
-              <a:ea typeface="Calibri" panose="020F0502020204030204" pitchFamily="34" charset="0"/>
-              <a:cs typeface="Times New Roman" panose="02020603050405020304" pitchFamily="18" charset="0"/>
-            </a:endParaRPr>
-          </a:p>
-          <a:p>
-            <a:pPr lvl="0" algn="just">
-              <a:lnSpc>
-                <a:spcPct val="115000"/>
-              </a:lnSpc>
-            </a:pPr>
-            <a:r>
-              <a:rPr lang="en-GB" sz="1000" baseline="30000" dirty="0">
-                <a:latin typeface="Arial" panose="020B0604020202020204" pitchFamily="34" charset="0"/>
-                <a:cs typeface="Arial" panose="020B0604020202020204" pitchFamily="34" charset="0"/>
-              </a:rPr>
-              <a:t>3 </a:t>
-            </a:r>
-            <a:r>
-              <a:rPr lang="en-GB" sz="1000" dirty="0">
-                <a:latin typeface="Calibri" panose="020F0502020204030204" pitchFamily="34" charset="0"/>
-                <a:ea typeface="Calibri" panose="020F0502020204030204" pitchFamily="34" charset="0"/>
-                <a:cs typeface="Times New Roman" panose="02020603050405020304" pitchFamily="18" charset="0"/>
-              </a:rPr>
-              <a:t>Influenza and Tdap (Tetanus, Diphtheria, and Pertussis ) vaccination where not assessed for SCIFI-PEARL database as this information was not available</a:t>
-            </a:r>
-          </a:p>
-          <a:p>
-            <a:endParaRPr lang="en-GB" sz="100" dirty="0">
-              <a:latin typeface="Calibri" panose="020F0502020204030204" pitchFamily="34" charset="0"/>
-              <a:ea typeface="Calibri" panose="020F0502020204030204" pitchFamily="34" charset="0"/>
-              <a:cs typeface="Times New Roman" panose="02020603050405020304" pitchFamily="18" charset="0"/>
-            </a:endParaRPr>
-          </a:p>
-          <a:p>
-            <a:pPr algn="just">
-              <a:lnSpc>
-                <a:spcPct val="115000"/>
-              </a:lnSpc>
-            </a:pPr>
-            <a:r>
-              <a:rPr lang="en-GB" sz="1000" baseline="30000" dirty="0">
-                <a:latin typeface="Arial" panose="020B0604020202020204" pitchFamily="34" charset="0"/>
-                <a:cs typeface="Arial" panose="020B0604020202020204" pitchFamily="34" charset="0"/>
-              </a:rPr>
-              <a:t>4 </a:t>
-            </a:r>
-            <a:r>
-              <a:rPr lang="en-GB" sz="1000" dirty="0">
-                <a:latin typeface="Calibri" panose="020F0502020204030204" pitchFamily="34" charset="0"/>
-                <a:ea typeface="Calibri" panose="020F0502020204030204" pitchFamily="34" charset="0"/>
-                <a:cs typeface="Times New Roman" panose="02020603050405020304" pitchFamily="18" charset="0"/>
-              </a:rPr>
-              <a:t>Exact matching on days since previous vaccination in 30-days band – Only for Booster vs. Complete vaccination schema</a:t>
-            </a:r>
-            <a:endParaRPr lang="en-GB" sz="100" dirty="0">
-              <a:latin typeface="Arial" panose="020B0604020202020204" pitchFamily="34" charset="0"/>
-              <a:cs typeface="Arial" panose="020B0604020202020204" pitchFamily="34" charset="0"/>
-            </a:endParaRPr>
-          </a:p>
-          <a:p>
-            <a:endParaRPr lang="en-GB" sz="100" dirty="0">
-              <a:latin typeface="Calibri" panose="020F0502020204030204" pitchFamily="34" charset="0"/>
-              <a:ea typeface="Calibri" panose="020F0502020204030204" pitchFamily="34" charset="0"/>
-              <a:cs typeface="Times New Roman" panose="02020603050405020304" pitchFamily="18" charset="0"/>
-            </a:endParaRPr>
-          </a:p>
-          <a:p>
-            <a:pPr lvl="0" algn="just">
-              <a:lnSpc>
-                <a:spcPct val="115000"/>
-              </a:lnSpc>
-            </a:pPr>
-            <a:r>
-              <a:rPr lang="en-GB" sz="1000" baseline="30000" dirty="0">
-                <a:latin typeface="Arial" panose="020B0604020202020204" pitchFamily="34" charset="0"/>
-                <a:cs typeface="Arial" panose="020B0604020202020204" pitchFamily="34" charset="0"/>
-              </a:rPr>
-              <a:t>5 </a:t>
-            </a:r>
-            <a:r>
-              <a:rPr lang="en-GB" sz="1000" dirty="0">
-                <a:latin typeface="Calibri" panose="020F0502020204030204" pitchFamily="34" charset="0"/>
-                <a:ea typeface="Calibri" panose="020F0502020204030204" pitchFamily="34" charset="0"/>
-                <a:cs typeface="Times New Roman" panose="02020603050405020304" pitchFamily="18" charset="0"/>
-              </a:rPr>
-              <a:t>Conditions: Respiratory Conditions (asthma, chronic obstructive pulmonary disease, bronchiectasis, or bronchitis), Blood Cancer within the last 5 years,   Cardiological Disease (excluding hypertension), Diabetes (any type), Immunodeficiency, Chronic Liver Disease, Obesity, Organ Transplant Recipient, and Solid Cancer within the past 5 years</a:t>
-            </a:r>
-            <a:endParaRPr lang="en-GB" sz="100" dirty="0">
-              <a:latin typeface="Arial" panose="020B0604020202020204" pitchFamily="34" charset="0"/>
-              <a:cs typeface="Arial" panose="020B0604020202020204" pitchFamily="34" charset="0"/>
-            </a:endParaRPr>
-          </a:p>
-          <a:p>
-            <a:pPr lvl="0" algn="just">
-              <a:lnSpc>
-                <a:spcPct val="115000"/>
-              </a:lnSpc>
-            </a:pPr>
-            <a:endParaRPr lang="en-GB" sz="100" dirty="0">
-              <a:latin typeface="Calibri" panose="020F0502020204030204" pitchFamily="34" charset="0"/>
-              <a:ea typeface="Calibri" panose="020F0502020204030204" pitchFamily="34" charset="0"/>
-              <a:cs typeface="Times New Roman" panose="02020603050405020304" pitchFamily="18" charset="0"/>
-            </a:endParaRPr>
-          </a:p>
-          <a:p>
-            <a:r>
-              <a:rPr lang="en-GB" sz="1000" baseline="30000" dirty="0">
-                <a:latin typeface="Arial" panose="020B0604020202020204" pitchFamily="34" charset="0"/>
-                <a:cs typeface="Arial" panose="020B0604020202020204" pitchFamily="34" charset="0"/>
-              </a:rPr>
-              <a:t>6 </a:t>
-            </a:r>
-            <a:r>
-              <a:rPr lang="en-GB" sz="1000" dirty="0">
-                <a:latin typeface="Calibri" panose="020F0502020204030204" pitchFamily="34" charset="0"/>
-                <a:ea typeface="Calibri" panose="020F0502020204030204" pitchFamily="34" charset="0"/>
-                <a:cs typeface="Times New Roman" panose="02020603050405020304" pitchFamily="18" charset="0"/>
-              </a:rPr>
-              <a:t>Follow-up end at first of: outcome of interest, pregnancy end date, end of data/death, and deviation from protocol strategy</a:t>
-            </a:r>
-          </a:p>
-        </p:txBody>
-      </p:sp>
+              </a:endParaRPr>
+            </a:p>
+            <a:p>
+              <a:r>
+                <a:rPr lang="en-GB" sz="900" baseline="30000" dirty="0">
+                  <a:latin typeface="Arial" panose="020B0604020202020204" pitchFamily="34" charset="0"/>
+                  <a:cs typeface="Arial" panose="020B0604020202020204" pitchFamily="34" charset="0"/>
+                </a:rPr>
+                <a:t>6 </a:t>
+              </a:r>
+              <a:r>
+                <a:rPr lang="en-GB" sz="900" dirty="0">
+                  <a:latin typeface="Calibri" panose="020F0502020204030204" pitchFamily="34" charset="0"/>
+                  <a:ea typeface="Calibri" panose="020F0502020204030204" pitchFamily="34" charset="0"/>
+                  <a:cs typeface="Times New Roman" panose="02020603050405020304" pitchFamily="18" charset="0"/>
+                </a:rPr>
+                <a:t>Follow-up end at first of: outcome of interest, pregnancy end date, end of data/death, or deviation from protocol strategy</a:t>
+              </a:r>
+            </a:p>
+          </p:txBody>
+        </p:sp>
+      </p:grpSp>
       <p:cxnSp>
         <p:nvCxnSpPr>
           <p:cNvPr id="70" name="Straight Connector 69">
@@ -10920,8 +10919,8 @@
         </p:nvCxnSpPr>
         <p:spPr>
           <a:xfrm>
-            <a:off x="4727105" y="361757"/>
-            <a:ext cx="0" cy="3706974"/>
+            <a:off x="5082705" y="374650"/>
+            <a:ext cx="0" cy="3979831"/>
           </a:xfrm>
           <a:prstGeom prst="line">
             <a:avLst/>
@@ -10964,8 +10963,8 @@
         </p:nvSpPr>
         <p:spPr>
           <a:xfrm>
-            <a:off x="4747273" y="367695"/>
-            <a:ext cx="3741148" cy="3689195"/>
+            <a:off x="5102873" y="374650"/>
+            <a:ext cx="3741148" cy="3967991"/>
           </a:xfrm>
           <a:prstGeom prst="rect">
             <a:avLst/>
@@ -11029,7 +11028,7 @@
         </p:nvCxnSpPr>
         <p:spPr>
           <a:xfrm>
-            <a:off x="1715985" y="4074669"/>
+            <a:off x="2071585" y="4360419"/>
             <a:ext cx="8360228" cy="0"/>
           </a:xfrm>
           <a:prstGeom prst="line">
@@ -11072,7 +11071,7 @@
         </p:nvSpPr>
         <p:spPr>
           <a:xfrm>
-            <a:off x="9682837" y="4164462"/>
+            <a:off x="10038437" y="4450212"/>
             <a:ext cx="476412" cy="261610"/>
           </a:xfrm>
           <a:prstGeom prst="rect">
@@ -11121,7 +11120,7 @@
         </p:nvSpPr>
         <p:spPr>
           <a:xfrm>
-            <a:off x="5039831" y="4149073"/>
+            <a:off x="5395431" y="4434823"/>
             <a:ext cx="2348866" cy="553998"/>
           </a:xfrm>
           <a:prstGeom prst="rect">
@@ -11173,8 +11172,8 @@
         </p:nvCxnSpPr>
         <p:spPr>
           <a:xfrm>
-            <a:off x="8511326" y="361757"/>
-            <a:ext cx="2738" cy="3804476"/>
+            <a:off x="8869664" y="374650"/>
+            <a:ext cx="0" cy="4077333"/>
           </a:xfrm>
           <a:prstGeom prst="line">
             <a:avLst/>
@@ -11217,7 +11216,7 @@
         </p:nvGrpSpPr>
         <p:grpSpPr>
           <a:xfrm>
-            <a:off x="6203664" y="3610570"/>
+            <a:off x="6550550" y="3825466"/>
             <a:ext cx="2304923" cy="335476"/>
             <a:chOff x="6474025" y="6399820"/>
             <a:chExt cx="2669286" cy="446600"/>
@@ -11298,8 +11297,8 @@
           </p:nvSpPr>
           <p:spPr>
             <a:xfrm>
-              <a:off x="6549702" y="6459686"/>
-              <a:ext cx="2520459" cy="348267"/>
+              <a:off x="6549702" y="6442775"/>
+              <a:ext cx="2520459" cy="348266"/>
             </a:xfrm>
             <a:prstGeom prst="rect">
               <a:avLst/>
@@ -11345,7 +11344,7 @@
         </p:nvSpPr>
         <p:spPr>
           <a:xfrm>
-            <a:off x="4316231" y="4156525"/>
+            <a:off x="4671831" y="4442275"/>
             <a:ext cx="843602" cy="430887"/>
           </a:xfrm>
           <a:prstGeom prst="rect">
@@ -11396,7 +11395,7 @@
         </p:nvSpPr>
         <p:spPr>
           <a:xfrm>
-            <a:off x="8123795" y="4111335"/>
+            <a:off x="8479395" y="4397085"/>
             <a:ext cx="823944" cy="430887"/>
           </a:xfrm>
           <a:prstGeom prst="rect">
@@ -11449,8 +11448,8 @@
         </p:nvCxnSpPr>
         <p:spPr>
           <a:xfrm>
-            <a:off x="6204181" y="367695"/>
-            <a:ext cx="10083" cy="3816000"/>
+            <a:off x="6548329" y="374650"/>
+            <a:ext cx="21535" cy="4094795"/>
           </a:xfrm>
           <a:prstGeom prst="line">
             <a:avLst/>
@@ -11491,10 +11490,10 @@
         </p:nvGrpSpPr>
         <p:grpSpPr>
           <a:xfrm>
-            <a:off x="2173474" y="367694"/>
-            <a:ext cx="2536966" cy="879213"/>
-            <a:chOff x="2154514" y="451332"/>
-            <a:chExt cx="2536966" cy="879213"/>
+            <a:off x="2529074" y="450243"/>
+            <a:ext cx="2536554" cy="1074028"/>
+            <a:chOff x="2154514" y="451331"/>
+            <a:chExt cx="2536554" cy="1074028"/>
           </a:xfrm>
         </p:grpSpPr>
         <p:sp>
@@ -11511,8 +11510,8 @@
           </p:nvSpPr>
           <p:spPr>
             <a:xfrm>
-              <a:off x="2451094" y="485376"/>
-              <a:ext cx="2240386" cy="797141"/>
+              <a:off x="2450682" y="485376"/>
+              <a:ext cx="2240386" cy="981807"/>
             </a:xfrm>
             <a:prstGeom prst="rect">
               <a:avLst/>
@@ -11539,12 +11538,12 @@
               </a:r>
             </a:p>
             <a:p>
-              <a:pPr marL="285750" indent="-285750">
-                <a:buFontTx/>
-                <a:buChar char="-"/>
+              <a:pPr marL="171450" indent="-171450">
+                <a:buFont typeface="Arial" panose="020B0604020202020204" pitchFamily="34" charset="0"/>
+                <a:buChar char="•"/>
               </a:pPr>
               <a:r>
-                <a:rPr lang="en-US" sz="600" b="1" dirty="0">
+                <a:rPr lang="en-US" sz="700" b="1" dirty="0">
                   <a:solidFill>
                     <a:schemeClr val="bg1"/>
                   </a:solidFill>
@@ -11554,7 +11553,7 @@
                 <a:t>Pregnant during enrollment period</a:t>
               </a:r>
               <a:r>
-                <a:rPr lang="en-US" sz="600" b="1" baseline="30000" dirty="0">
+                <a:rPr lang="en-US" sz="700" b="1" baseline="30000" dirty="0">
                   <a:solidFill>
                     <a:schemeClr val="bg1"/>
                   </a:solidFill>
@@ -11564,7 +11563,7 @@
                 <a:t>1</a:t>
               </a:r>
               <a:r>
-                <a:rPr lang="en-US" sz="600" b="1" dirty="0">
+                <a:rPr lang="en-US" sz="700" b="1" dirty="0">
                   <a:solidFill>
                     <a:schemeClr val="bg1"/>
                   </a:solidFill>
@@ -11575,28 +11574,28 @@
               </a:r>
             </a:p>
             <a:p>
-              <a:pPr marL="285750" indent="-285750">
-                <a:buFontTx/>
-                <a:buChar char="-"/>
+              <a:pPr marL="171450" indent="-171450">
+                <a:buFont typeface="Arial" panose="020B0604020202020204" pitchFamily="34" charset="0"/>
+                <a:buChar char="•"/>
               </a:pPr>
               <a:r>
-                <a:rPr lang="en-US" sz="600" b="1" dirty="0">
+                <a:rPr lang="en-US" sz="700" b="1" dirty="0">
                   <a:solidFill>
                     <a:schemeClr val="bg1"/>
                   </a:solidFill>
                   <a:latin typeface="Arial" panose="020B0604020202020204" pitchFamily="34" charset="0"/>
                   <a:cs typeface="Arial" panose="020B0604020202020204" pitchFamily="34" charset="0"/>
                 </a:rPr>
-                <a:t>In observation [-365, 0] relative to Pregnancy Start Date</a:t>
+                <a:t>In observation [-365, 0] days relative to Pregnancy Start Date</a:t>
               </a:r>
             </a:p>
             <a:p>
-              <a:pPr marL="285750" indent="-285750">
-                <a:buFontTx/>
-                <a:buChar char="-"/>
+              <a:pPr marL="171450" indent="-171450">
+                <a:buFont typeface="Arial" panose="020B0604020202020204" pitchFamily="34" charset="0"/>
+                <a:buChar char="•"/>
               </a:pPr>
               <a:r>
-                <a:rPr lang="en-US" sz="600" b="1" dirty="0">
+                <a:rPr lang="en-US" sz="700" b="1" dirty="0">
                   <a:solidFill>
                     <a:schemeClr val="bg1"/>
                   </a:solidFill>
@@ -11606,7 +11605,7 @@
                 <a:t>Aged </a:t>
               </a:r>
               <a:r>
-                <a:rPr lang="el-GR" sz="600" b="1" dirty="0">
+                <a:rPr lang="el-GR" sz="700" b="1" dirty="0">
                   <a:solidFill>
                     <a:schemeClr val="bg1"/>
                   </a:solidFill>
@@ -11616,7 +11615,7 @@
                 <a:t>ϵ</a:t>
               </a:r>
               <a:r>
-                <a:rPr lang="en-GB" sz="600" b="1" dirty="0">
+                <a:rPr lang="en-GB" sz="700" b="1" dirty="0">
                   <a:solidFill>
                     <a:schemeClr val="bg1"/>
                   </a:solidFill>
@@ -11626,7 +11625,7 @@
                 <a:t> </a:t>
               </a:r>
               <a:r>
-                <a:rPr lang="en-US" sz="600" b="1" dirty="0">
+                <a:rPr lang="en-US" sz="700" b="1" dirty="0">
                   <a:solidFill>
                     <a:schemeClr val="bg1"/>
                   </a:solidFill>
@@ -11637,12 +11636,12 @@
               </a:r>
             </a:p>
             <a:p>
-              <a:pPr marL="285750" indent="-285750">
-                <a:buFontTx/>
-                <a:buChar char="-"/>
+              <a:pPr marL="171450" indent="-171450">
+                <a:buFont typeface="Arial" panose="020B0604020202020204" pitchFamily="34" charset="0"/>
+                <a:buChar char="•"/>
               </a:pPr>
               <a:r>
-                <a:rPr lang="en-US" sz="600" b="1" dirty="0">
+                <a:rPr lang="en-US" sz="700" b="1" dirty="0">
                   <a:solidFill>
                     <a:schemeClr val="bg1"/>
                   </a:solidFill>
@@ -11668,8 +11667,8 @@
           </p:nvSpPr>
           <p:spPr>
             <a:xfrm rot="16200000">
-              <a:off x="1863348" y="742498"/>
-              <a:ext cx="879213" cy="296881"/>
+              <a:off x="1765941" y="839904"/>
+              <a:ext cx="1074028" cy="296881"/>
             </a:xfrm>
             <a:prstGeom prst="triangle">
               <a:avLst/>
@@ -11723,10 +11722,10 @@
         </p:nvGrpSpPr>
         <p:grpSpPr>
           <a:xfrm>
-            <a:off x="2247183" y="1337792"/>
-            <a:ext cx="3945546" cy="607300"/>
-            <a:chOff x="2212925" y="1247055"/>
-            <a:chExt cx="3945546" cy="607300"/>
+            <a:off x="2600677" y="1683866"/>
+            <a:ext cx="3935776" cy="607300"/>
+            <a:chOff x="2222695" y="1245668"/>
+            <a:chExt cx="3935776" cy="607300"/>
           </a:xfrm>
         </p:grpSpPr>
         <p:sp>
@@ -11790,12 +11789,12 @@
               </a:r>
             </a:p>
             <a:p>
-              <a:pPr marL="285750" indent="-285750">
-                <a:buFontTx/>
-                <a:buChar char="-"/>
+              <a:pPr marL="171450" indent="-171450">
+                <a:buFont typeface="Arial" panose="020B0604020202020204" pitchFamily="34" charset="0"/>
+                <a:buChar char="•"/>
               </a:pPr>
               <a:r>
-                <a:rPr lang="en-US" sz="600" b="1" dirty="0">
+                <a:rPr lang="en-US" sz="700" b="1" dirty="0">
                   <a:solidFill>
                     <a:schemeClr val="bg1"/>
                   </a:solidFill>
@@ -11805,7 +11804,7 @@
                 <a:t>Eligible to receive the exposure of interest</a:t>
               </a:r>
               <a:r>
-                <a:rPr lang="en-US" sz="600" b="1" baseline="30000" dirty="0">
+                <a:rPr lang="en-US" sz="700" b="1" baseline="30000" dirty="0">
                   <a:solidFill>
                     <a:schemeClr val="bg1"/>
                   </a:solidFill>
@@ -11816,12 +11815,12 @@
               </a:r>
             </a:p>
             <a:p>
-              <a:pPr marL="285750" indent="-285750">
-                <a:buFontTx/>
-                <a:buChar char="-"/>
+              <a:pPr marL="171450" indent="-171450">
+                <a:buFont typeface="Arial" panose="020B0604020202020204" pitchFamily="34" charset="0"/>
+                <a:buChar char="•"/>
               </a:pPr>
               <a:r>
-                <a:rPr lang="en-US" sz="600" b="1" dirty="0">
+                <a:rPr lang="en-US" sz="700" b="1" dirty="0">
                   <a:solidFill>
                     <a:schemeClr val="bg1"/>
                   </a:solidFill>
@@ -11830,7 +11829,7 @@
                 </a:rPr>
                 <a:t>No COVID-19 infection [-90, 0]</a:t>
               </a:r>
-              <a:endParaRPr lang="en-US" sz="600" b="1" baseline="30000" dirty="0">
+              <a:endParaRPr lang="en-US" sz="700" b="1" baseline="30000" dirty="0">
                 <a:solidFill>
                   <a:schemeClr val="bg1"/>
                 </a:solidFill>
@@ -11854,7 +11853,7 @@
           </p:nvSpPr>
           <p:spPr>
             <a:xfrm rot="16200000">
-              <a:off x="2021558" y="1438422"/>
+              <a:off x="2031328" y="1437035"/>
               <a:ext cx="607300" cy="224565"/>
             </a:xfrm>
             <a:prstGeom prst="triangle">
@@ -11890,7 +11889,7 @@
             <a:lstStyle/>
             <a:p>
               <a:pPr algn="ctr"/>
-              <a:endParaRPr lang="en-GB"/>
+              <a:endParaRPr lang="en-GB" dirty="0"/>
             </a:p>
           </p:txBody>
         </p:sp>
@@ -11909,10 +11908,10 @@
         </p:nvGrpSpPr>
         <p:grpSpPr>
           <a:xfrm>
-            <a:off x="2173172" y="2044611"/>
-            <a:ext cx="4019557" cy="1579416"/>
-            <a:chOff x="2140113" y="1816416"/>
-            <a:chExt cx="4019557" cy="1579416"/>
+            <a:off x="2528773" y="2450762"/>
+            <a:ext cx="4019556" cy="1812475"/>
+            <a:chOff x="2140114" y="1816414"/>
+            <a:chExt cx="4019556" cy="1812475"/>
           </a:xfrm>
         </p:grpSpPr>
         <p:sp>
@@ -11930,7 +11929,7 @@
           <p:spPr>
             <a:xfrm>
               <a:off x="2419681" y="1879006"/>
-              <a:ext cx="3739989" cy="1443472"/>
+              <a:ext cx="3739989" cy="1658916"/>
             </a:xfrm>
             <a:prstGeom prst="rect">
               <a:avLst/>
@@ -11970,7 +11969,7 @@
                 <a:buFontTx/>
                 <a:buChar char="-"/>
               </a:pPr>
-              <a:endParaRPr lang="en-US" sz="600" b="1" dirty="0">
+              <a:endParaRPr lang="en-US" sz="200" b="1" dirty="0">
                 <a:solidFill>
                   <a:schemeClr val="bg1"/>
                 </a:solidFill>
@@ -11979,12 +11978,12 @@
               </a:endParaRPr>
             </a:p>
             <a:p>
-              <a:pPr marL="285750" indent="-285750">
-                <a:buFontTx/>
-                <a:buChar char="-"/>
+              <a:pPr marL="171450" indent="-171450">
+                <a:buFont typeface="Arial" panose="020B0604020202020204" pitchFamily="34" charset="0"/>
+                <a:buChar char="•"/>
               </a:pPr>
               <a:r>
-                <a:rPr lang="en-US" sz="600" dirty="0">
+                <a:rPr lang="en-US" sz="700" dirty="0">
                   <a:solidFill>
                     <a:schemeClr val="bg1"/>
                   </a:solidFill>
@@ -11994,7 +11993,7 @@
                 <a:t>[Exact matching – 2 years band] </a:t>
               </a:r>
               <a:r>
-                <a:rPr lang="en-US" sz="600" b="1" dirty="0">
+                <a:rPr lang="en-US" sz="700" b="1" dirty="0">
                   <a:solidFill>
                     <a:schemeClr val="bg1"/>
                   </a:solidFill>
@@ -12005,12 +12004,12 @@
               </a:r>
             </a:p>
             <a:p>
-              <a:pPr marL="285750" indent="-285750">
-                <a:buFontTx/>
-                <a:buChar char="-"/>
+              <a:pPr marL="171450" indent="-171450">
+                <a:buFont typeface="Arial" panose="020B0604020202020204" pitchFamily="34" charset="0"/>
+                <a:buChar char="•"/>
               </a:pPr>
               <a:r>
-                <a:rPr lang="en-US" sz="600" dirty="0">
+                <a:rPr lang="en-US" sz="700" dirty="0">
                   <a:solidFill>
                     <a:schemeClr val="bg1"/>
                   </a:solidFill>
@@ -12020,23 +12019,66 @@
                 <a:t>[Exact matching – 90 days band] </a:t>
               </a:r>
               <a:r>
-                <a:rPr lang="en-US" sz="600" b="1" dirty="0">
+                <a:rPr lang="en-US" sz="700" b="1" dirty="0">
                   <a:solidFill>
                     <a:schemeClr val="bg1"/>
                   </a:solidFill>
                   <a:latin typeface="Arial" panose="020B0604020202020204" pitchFamily="34" charset="0"/>
                   <a:cs typeface="Arial" panose="020B0604020202020204" pitchFamily="34" charset="0"/>
                 </a:rPr>
-                <a:t>Gestational Day at Index Date (ID) </a:t>
+                <a:t>Gestational Age at Index Date (ID) </a:t>
               </a:r>
             </a:p>
             <a:p>
-              <a:pPr marL="285750" indent="-285750">
-                <a:buFontTx/>
-                <a:buChar char="-"/>
+              <a:pPr marL="171450" indent="-171450">
+                <a:buFont typeface="Arial" panose="020B0604020202020204" pitchFamily="34" charset="0"/>
+                <a:buChar char="•"/>
               </a:pPr>
               <a:r>
-                <a:rPr lang="en-US" sz="600" dirty="0">
+                <a:rPr lang="en-US" sz="700" dirty="0">
+                  <a:solidFill>
+                    <a:schemeClr val="bg1"/>
+                  </a:solidFill>
+                  <a:latin typeface="Arial" panose="020B0604020202020204" pitchFamily="34" charset="0"/>
+                  <a:cs typeface="Arial" panose="020B0604020202020204" pitchFamily="34" charset="0"/>
+                </a:rPr>
+                <a:t>[Exact matching – 4 weeks band] </a:t>
+              </a:r>
+              <a:r>
+                <a:rPr lang="en-US" sz="700" b="1" dirty="0">
+                  <a:solidFill>
+                    <a:schemeClr val="bg1"/>
+                  </a:solidFill>
+                  <a:latin typeface="Arial" panose="020B0604020202020204" pitchFamily="34" charset="0"/>
+                  <a:cs typeface="Arial" panose="020B0604020202020204" pitchFamily="34" charset="0"/>
+                </a:rPr>
+                <a:t>Days since previous COVID-19 vaccination</a:t>
+              </a:r>
+              <a:r>
+                <a:rPr lang="en-US" sz="700" b="1" baseline="30000" dirty="0">
+                  <a:solidFill>
+                    <a:schemeClr val="bg1"/>
+                  </a:solidFill>
+                  <a:latin typeface="Arial" panose="020B0604020202020204" pitchFamily="34" charset="0"/>
+                  <a:cs typeface="Arial" panose="020B0604020202020204" pitchFamily="34" charset="0"/>
+                </a:rPr>
+                <a:t>4</a:t>
+              </a:r>
+              <a:endParaRPr lang="en-US" sz="700" b="1" dirty="0">
+                <a:solidFill>
+                  <a:schemeClr val="bg1"/>
+                </a:solidFill>
+                <a:latin typeface="Arial" panose="020B0604020202020204" pitchFamily="34" charset="0"/>
+                <a:cs typeface="Arial" panose="020B0604020202020204" pitchFamily="34" charset="0"/>
+              </a:endParaRPr>
+            </a:p>
+            <a:p>
+              <a:pPr marL="171450" indent="-171450">
+                <a:buFont typeface="Arial" panose="020B0604020202020204" pitchFamily="34" charset="0"/>
+                <a:buChar char="•"/>
+              </a:pPr>
+              <a:r>
+                <a:rPr lang="en-US" sz="700" dirty="0">
                   <a:solidFill>
                     <a:schemeClr val="bg1"/>
                   </a:solidFill>
@@ -12046,7 +12088,7 @@
                 <a:t>[Propensity Score (PS)] </a:t>
               </a:r>
               <a:r>
-                <a:rPr lang="en-US" sz="600" b="1" dirty="0">
+                <a:rPr lang="en-US" sz="700" b="1" dirty="0">
                   <a:solidFill>
                     <a:schemeClr val="bg1"/>
                   </a:solidFill>
@@ -12057,12 +12099,12 @@
               </a:r>
             </a:p>
             <a:p>
-              <a:pPr marL="285750" indent="-285750">
-                <a:buFontTx/>
-                <a:buChar char="-"/>
+              <a:pPr marL="171450" indent="-171450">
+                <a:buFont typeface="Arial" panose="020B0604020202020204" pitchFamily="34" charset="0"/>
+                <a:buChar char="•"/>
               </a:pPr>
               <a:r>
-                <a:rPr lang="en-US" sz="600" dirty="0">
+                <a:rPr lang="en-US" sz="700" dirty="0">
                   <a:solidFill>
                     <a:schemeClr val="bg1"/>
                   </a:solidFill>
@@ -12072,23 +12114,23 @@
                 <a:t>[PS] </a:t>
               </a:r>
               <a:r>
-                <a:rPr lang="en-US" sz="600" b="1" dirty="0">
+                <a:rPr lang="en-US" sz="700" b="1" dirty="0">
                   <a:solidFill>
                     <a:schemeClr val="bg1"/>
                   </a:solidFill>
                   <a:latin typeface="Arial" panose="020B0604020202020204" pitchFamily="34" charset="0"/>
                   <a:cs typeface="Arial" panose="020B0604020202020204" pitchFamily="34" charset="0"/>
                 </a:rPr>
-                <a:t>Healthcare visits [-365, -1] relative to Pregnancy Start Date</a:t>
+                <a:t>Healthcare visits [-365, -1] days relative to Pregnancy Start Date</a:t>
               </a:r>
             </a:p>
             <a:p>
-              <a:pPr marL="285750" indent="-285750">
-                <a:buFontTx/>
-                <a:buChar char="-"/>
+              <a:pPr marL="171450" indent="-171450">
+                <a:buFont typeface="Arial" panose="020B0604020202020204" pitchFamily="34" charset="0"/>
+                <a:buChar char="•"/>
               </a:pPr>
               <a:r>
-                <a:rPr lang="en-US" sz="600" dirty="0">
+                <a:rPr lang="en-US" sz="700" dirty="0">
                   <a:solidFill>
                     <a:schemeClr val="bg1"/>
                   </a:solidFill>
@@ -12098,23 +12140,23 @@
                 <a:t>[PS] </a:t>
               </a:r>
               <a:r>
-                <a:rPr lang="en-US" sz="600" b="1" dirty="0">
+                <a:rPr lang="en-US" sz="700" b="1" dirty="0">
                   <a:solidFill>
                     <a:schemeClr val="bg1"/>
                   </a:solidFill>
                   <a:latin typeface="Arial" panose="020B0604020202020204" pitchFamily="34" charset="0"/>
                   <a:cs typeface="Arial" panose="020B0604020202020204" pitchFamily="34" charset="0"/>
                 </a:rPr>
-                <a:t>Number of COVID-19 infections [-365, -1] relative to ID</a:t>
+                <a:t>Number of COVID-19 infections [-365, -1] days relative to ID</a:t>
               </a:r>
             </a:p>
             <a:p>
-              <a:pPr marL="285750" indent="-285750">
-                <a:buFontTx/>
-                <a:buChar char="-"/>
+              <a:pPr marL="171450" indent="-171450">
+                <a:buFont typeface="Arial" panose="020B0604020202020204" pitchFamily="34" charset="0"/>
+                <a:buChar char="•"/>
               </a:pPr>
               <a:r>
-                <a:rPr lang="en-US" sz="600" dirty="0">
+                <a:rPr lang="en-US" sz="700" dirty="0">
                   <a:solidFill>
                     <a:schemeClr val="bg1"/>
                   </a:solidFill>
@@ -12124,7 +12166,7 @@
                 <a:t>[PS] </a:t>
               </a:r>
               <a:r>
-                <a:rPr lang="en-US" sz="600" b="1" dirty="0">
+                <a:rPr lang="en-US" sz="700" b="1" dirty="0">
                   <a:solidFill>
                     <a:schemeClr val="bg1"/>
                   </a:solidFill>
@@ -12135,12 +12177,12 @@
               </a:r>
             </a:p>
             <a:p>
-              <a:pPr marL="285750" indent="-285750">
-                <a:buFontTx/>
-                <a:buChar char="-"/>
+              <a:pPr marL="171450" indent="-171450">
+                <a:buFont typeface="Arial" panose="020B0604020202020204" pitchFamily="34" charset="0"/>
+                <a:buChar char="•"/>
               </a:pPr>
               <a:r>
-                <a:rPr lang="en-US" sz="600" dirty="0">
+                <a:rPr lang="en-US" sz="700" dirty="0">
                   <a:solidFill>
                     <a:schemeClr val="bg1"/>
                   </a:solidFill>
@@ -12150,7 +12192,7 @@
                 <a:t>[PS] </a:t>
               </a:r>
               <a:r>
-                <a:rPr lang="en-US" sz="600" b="1" dirty="0">
+                <a:rPr lang="en-US" sz="700" b="1" dirty="0">
                   <a:solidFill>
                     <a:schemeClr val="bg1"/>
                   </a:solidFill>
@@ -12161,12 +12203,12 @@
               </a:r>
             </a:p>
             <a:p>
-              <a:pPr marL="285750" indent="-285750">
-                <a:buFontTx/>
-                <a:buChar char="-"/>
+              <a:pPr marL="171450" indent="-171450">
+                <a:buFont typeface="Arial" panose="020B0604020202020204" pitchFamily="34" charset="0"/>
+                <a:buChar char="•"/>
               </a:pPr>
               <a:r>
-                <a:rPr lang="en-US" sz="600" dirty="0">
+                <a:rPr lang="en-US" sz="700" dirty="0">
                   <a:solidFill>
                     <a:schemeClr val="bg1"/>
                   </a:solidFill>
@@ -12176,17 +12218,17 @@
                 <a:t>[PS] </a:t>
               </a:r>
               <a:r>
-                <a:rPr lang="en-US" sz="600" b="1" dirty="0">
+                <a:rPr lang="en-US" sz="700" b="1" dirty="0">
                   <a:solidFill>
                     <a:schemeClr val="bg1"/>
                   </a:solidFill>
                   <a:latin typeface="Arial" panose="020B0604020202020204" pitchFamily="34" charset="0"/>
                   <a:cs typeface="Arial" panose="020B0604020202020204" pitchFamily="34" charset="0"/>
                 </a:rPr>
-                <a:t>History of Influenza vaccination [-365, -1] relative to ID</a:t>
+                <a:t>History of Influenza vaccination [-365, -1] days relative to ID</a:t>
               </a:r>
               <a:r>
-                <a:rPr lang="en-US" sz="600" b="1" baseline="30000" dirty="0">
+                <a:rPr lang="en-US" sz="700" b="1" baseline="30000" dirty="0">
                   <a:solidFill>
                     <a:schemeClr val="bg1"/>
                   </a:solidFill>
@@ -12195,7 +12237,7 @@
                 </a:rPr>
                 <a:t>3</a:t>
               </a:r>
-              <a:endParaRPr lang="en-US" sz="600" b="1" dirty="0">
+              <a:endParaRPr lang="en-US" sz="700" b="1" dirty="0">
                 <a:solidFill>
                   <a:schemeClr val="bg1"/>
                 </a:solidFill>
@@ -12204,12 +12246,12 @@
               </a:endParaRPr>
             </a:p>
             <a:p>
-              <a:pPr marL="285750" indent="-285750">
-                <a:buFontTx/>
-                <a:buChar char="-"/>
+              <a:pPr marL="171450" indent="-171450">
+                <a:buFont typeface="Arial" panose="020B0604020202020204" pitchFamily="34" charset="0"/>
+                <a:buChar char="•"/>
               </a:pPr>
               <a:r>
-                <a:rPr lang="en-US" sz="600" dirty="0">
+                <a:rPr lang="en-US" sz="700" dirty="0">
                   <a:solidFill>
                     <a:schemeClr val="bg1"/>
                   </a:solidFill>
@@ -12219,17 +12261,17 @@
                 <a:t>[PS] </a:t>
               </a:r>
               <a:r>
-                <a:rPr lang="en-US" sz="600" b="1" dirty="0">
+                <a:rPr lang="en-US" sz="700" b="1" dirty="0">
                   <a:solidFill>
                     <a:schemeClr val="bg1"/>
                   </a:solidFill>
                   <a:latin typeface="Arial" panose="020B0604020202020204" pitchFamily="34" charset="0"/>
                   <a:cs typeface="Arial" panose="020B0604020202020204" pitchFamily="34" charset="0"/>
                 </a:rPr>
-                <a:t>History of Tetanus, Diphtheria, and Pertussis vaccination [-365, -1] relative to ID</a:t>
+                <a:t>History of Tetanus, Diphtheria, and Pertussis vaccination [-365, -1] days relative to ID</a:t>
               </a:r>
               <a:r>
-                <a:rPr lang="en-US" sz="600" b="1" baseline="30000" dirty="0">
+                <a:rPr lang="en-US" sz="700" b="1" baseline="30000" dirty="0">
                   <a:solidFill>
                     <a:schemeClr val="bg1"/>
                   </a:solidFill>
@@ -12238,7 +12280,7 @@
                 </a:rPr>
                 <a:t>3</a:t>
               </a:r>
-              <a:endParaRPr lang="en-US" sz="600" b="1" dirty="0">
+              <a:endParaRPr lang="en-US" sz="700" b="1" dirty="0">
                 <a:solidFill>
                   <a:schemeClr val="bg1"/>
                 </a:solidFill>
@@ -12247,12 +12289,12 @@
               </a:endParaRPr>
             </a:p>
             <a:p>
-              <a:pPr marL="285750" indent="-285750">
-                <a:buFontTx/>
-                <a:buChar char="-"/>
+              <a:pPr marL="171450" indent="-171450">
+                <a:buFont typeface="Arial" panose="020B0604020202020204" pitchFamily="34" charset="0"/>
+                <a:buChar char="•"/>
               </a:pPr>
               <a:r>
-                <a:rPr lang="en-US" sz="600" dirty="0">
+                <a:rPr lang="en-US" sz="700" dirty="0">
                   <a:solidFill>
                     <a:schemeClr val="bg1"/>
                   </a:solidFill>
@@ -12262,43 +12304,7 @@
                 <a:t>[PS] </a:t>
               </a:r>
               <a:r>
-                <a:rPr lang="en-US" sz="600" b="1" dirty="0">
-                  <a:solidFill>
-                    <a:schemeClr val="bg1"/>
-                  </a:solidFill>
-                  <a:latin typeface="Arial" panose="020B0604020202020204" pitchFamily="34" charset="0"/>
-                  <a:cs typeface="Arial" panose="020B0604020202020204" pitchFamily="34" charset="0"/>
-                </a:rPr>
-                <a:t>Days since previous COVID-19 vaccination</a:t>
-              </a:r>
-              <a:r>
-                <a:rPr lang="en-US" sz="600" b="1" baseline="30000" dirty="0">
-                  <a:solidFill>
-                    <a:schemeClr val="bg1"/>
-                  </a:solidFill>
-                  <a:latin typeface="Arial" panose="020B0604020202020204" pitchFamily="34" charset="0"/>
-                  <a:cs typeface="Arial" panose="020B0604020202020204" pitchFamily="34" charset="0"/>
-                </a:rPr>
-                <a:t>4</a:t>
-              </a:r>
-            </a:p>
-            <a:p>
-              <a:pPr marL="285750" indent="-285750">
-                <a:buFontTx/>
-                <a:buChar char="-"/>
-              </a:pPr>
-              <a:r>
-                <a:rPr lang="en-US" sz="600" dirty="0">
-                  <a:solidFill>
-                    <a:schemeClr val="bg1"/>
-                  </a:solidFill>
-                  <a:latin typeface="Arial" panose="020B0604020202020204" pitchFamily="34" charset="0"/>
-                  <a:cs typeface="Arial" panose="020B0604020202020204" pitchFamily="34" charset="0"/>
-                </a:rPr>
-                <a:t>[PS] </a:t>
-              </a:r>
-              <a:r>
-                <a:rPr lang="en-US" sz="600" b="1" dirty="0">
+                <a:rPr lang="en-US" sz="700" b="1" dirty="0">
                   <a:solidFill>
                     <a:schemeClr val="bg1"/>
                   </a:solidFill>
@@ -12308,7 +12314,7 @@
                 <a:t>History of Conditions</a:t>
               </a:r>
               <a:r>
-                <a:rPr lang="en-US" sz="600" b="1" baseline="30000" dirty="0">
+                <a:rPr lang="en-US" sz="700" b="1" baseline="30000" dirty="0">
                   <a:solidFill>
                     <a:schemeClr val="bg1"/>
                   </a:solidFill>
@@ -12318,14 +12324,14 @@
                 <a:t>5</a:t>
               </a:r>
               <a:r>
-                <a:rPr lang="en-US" sz="600" b="1" dirty="0">
+                <a:rPr lang="en-US" sz="700" b="1" dirty="0">
                   <a:solidFill>
                     <a:schemeClr val="bg1"/>
                   </a:solidFill>
                   <a:latin typeface="Arial" panose="020B0604020202020204" pitchFamily="34" charset="0"/>
                   <a:cs typeface="Arial" panose="020B0604020202020204" pitchFamily="34" charset="0"/>
                 </a:rPr>
-                <a:t> to prioritise vaccination (-Inf, -1] relative to ID</a:t>
+                <a:t> to prioritise vaccination (-Inf, -1] days relative to ID</a:t>
               </a:r>
             </a:p>
           </p:txBody>
@@ -12344,8 +12350,8 @@
           </p:nvSpPr>
           <p:spPr>
             <a:xfrm rot="16200000">
-              <a:off x="1498846" y="2457683"/>
-              <a:ext cx="1579416" cy="296881"/>
+              <a:off x="1382317" y="2574211"/>
+              <a:ext cx="1812475" cy="296881"/>
             </a:xfrm>
             <a:prstGeom prst="triangle">
               <a:avLst/>
